--- a/Final PPT.pptx
+++ b/Final PPT.pptx
@@ -5,7 +5,7 @@
     <p:sldMasterId id="2147483648" r:id="rId1"/>
   </p:sldMasterIdLst>
   <p:notesMasterIdLst>
-    <p:notesMasterId r:id="rId9"/>
+    <p:notesMasterId r:id="rId10"/>
   </p:notesMasterIdLst>
   <p:sldIdLst>
     <p:sldId id="256" r:id="rId2"/>
@@ -13,34 +13,35 @@
     <p:sldId id="258" r:id="rId4"/>
     <p:sldId id="259" r:id="rId5"/>
     <p:sldId id="260" r:id="rId6"/>
-    <p:sldId id="261" r:id="rId7"/>
-    <p:sldId id="262" r:id="rId8"/>
+    <p:sldId id="263" r:id="rId7"/>
+    <p:sldId id="261" r:id="rId8"/>
+    <p:sldId id="262" r:id="rId9"/>
   </p:sldIdLst>
   <p:sldSz cx="9144000" cy="5143500" type="screen16x9"/>
   <p:notesSz cx="6858000" cy="9144000"/>
   <p:embeddedFontLst>
     <p:embeddedFont>
       <p:font typeface="IBM Plex Sans" panose="020B0503050203000203" pitchFamily="34" charset="0"/>
-      <p:regular r:id="rId10"/>
-      <p:bold r:id="rId11"/>
-      <p:italic r:id="rId12"/>
-      <p:boldItalic r:id="rId13"/>
+      <p:regular r:id="rId11"/>
+      <p:bold r:id="rId12"/>
+      <p:italic r:id="rId13"/>
+      <p:boldItalic r:id="rId14"/>
     </p:embeddedFont>
     <p:embeddedFont>
       <p:font typeface="Inconsolata" pitchFamily="1" charset="0"/>
-      <p:regular r:id="rId14"/>
+      <p:regular r:id="rId15"/>
     </p:embeddedFont>
     <p:embeddedFont>
       <p:font typeface="Merriweather" panose="00000500000000000000" pitchFamily="2" charset="0"/>
-      <p:regular r:id="rId15"/>
-      <p:bold r:id="rId16"/>
-      <p:italic r:id="rId17"/>
-      <p:boldItalic r:id="rId18"/>
+      <p:regular r:id="rId16"/>
+      <p:bold r:id="rId17"/>
+      <p:italic r:id="rId18"/>
+      <p:boldItalic r:id="rId19"/>
     </p:embeddedFont>
     <p:embeddedFont>
       <p:font typeface="Montserrat Black" panose="00000A00000000000000" pitchFamily="2" charset="0"/>
-      <p:bold r:id="rId19"/>
-      <p:boldItalic r:id="rId20"/>
+      <p:bold r:id="rId20"/>
+      <p:boldItalic r:id="rId21"/>
     </p:embeddedFont>
   </p:embeddedFontLst>
   <p:defaultTextStyle>
@@ -277,7 +278,7 @@
       <p15:sldGuideLst xmlns:p15="http://schemas.microsoft.com/office/powerpoint/2012/main"/>
     </p:ext>
     <p:ext uri="GoogleSlidesCustomDataVersion2">
-      <go:slidesCustomData xmlns:go="http://customooxmlschemas.google.com/" xmlns:ahyp="http://schemas.microsoft.com/office/drawing/2018/hyperlinkcolor" xmlns:p15="http://schemas.microsoft.com/office/powerpoint/2012/main" xmlns:p14="http://schemas.microsoft.com/office/powerpoint/2010/main" xmlns:com="http://schemas.openxmlformats.org/drawingml/2006/compatibility" xmlns:pvml="urn:schemas-microsoft-com:office:powerpoint" xmlns:v="urn:schemas-microsoft-com:vml" xmlns:o="urn:schemas-microsoft-com:office:office" xmlns:dgm="http://schemas.openxmlformats.org/drawingml/2006/diagram" xmlns:c="http://schemas.openxmlformats.org/drawingml/2006/chart" xmlns:mv="urn:schemas-microsoft-com:mac:vml" xmlns:mc="http://schemas.openxmlformats.org/markup-compatibility/2006" xmlns="" r:id="rId21" roundtripDataSignature="AMtx7miRrbFGHO4lggu6m9ffZxEtEwdD8g=="/>
+      <go:slidesCustomData xmlns="" xmlns:mc="http://schemas.openxmlformats.org/markup-compatibility/2006" xmlns:mv="urn:schemas-microsoft-com:mac:vml" xmlns:c="http://schemas.openxmlformats.org/drawingml/2006/chart" xmlns:dgm="http://schemas.openxmlformats.org/drawingml/2006/diagram" xmlns:o="urn:schemas-microsoft-com:office:office" xmlns:v="urn:schemas-microsoft-com:vml" xmlns:pvml="urn:schemas-microsoft-com:office:powerpoint" xmlns:com="http://schemas.openxmlformats.org/drawingml/2006/compatibility" xmlns:p14="http://schemas.microsoft.com/office/powerpoint/2010/main" xmlns:p15="http://schemas.microsoft.com/office/powerpoint/2012/main" xmlns:ahyp="http://schemas.microsoft.com/office/drawing/2018/hyperlinkcolor" xmlns:go="http://customooxmlschemas.google.com/" r:id="rId22" roundtripDataSignature="AMtx7miRrbFGHO4lggu6m9ffZxEtEwdD8g=="/>
     </p:ext>
   </p:extLst>
 </p:presentation>
@@ -1474,6 +1475,151 @@
   <p:cSld>
     <p:spTree>
       <p:nvGrpSpPr>
+        <p:cNvPr id="1" name="Shape 102">
+          <a:extLst>
+            <a:ext uri="{FF2B5EF4-FFF2-40B4-BE49-F238E27FC236}">
+              <a16:creationId xmlns:a16="http://schemas.microsoft.com/office/drawing/2014/main" id="{C53D2021-94BF-0988-4442-A1B3C6C0B97C}"/>
+            </a:ext>
+          </a:extLst>
+        </p:cNvPr>
+        <p:cNvGrpSpPr/>
+        <p:nvPr/>
+      </p:nvGrpSpPr>
+      <p:grpSpPr>
+        <a:xfrm>
+          <a:off x="0" y="0"/>
+          <a:ext cx="0" cy="0"/>
+          <a:chOff x="0" y="0"/>
+          <a:chExt cx="0" cy="0"/>
+        </a:xfrm>
+      </p:grpSpPr>
+      <p:sp>
+        <p:nvSpPr>
+          <p:cNvPr id="103" name="Google Shape;103;p5:notes">
+            <a:extLst>
+              <a:ext uri="{FF2B5EF4-FFF2-40B4-BE49-F238E27FC236}">
+                <a16:creationId xmlns:a16="http://schemas.microsoft.com/office/drawing/2014/main" id="{0CE249F9-12D0-26A5-15D2-29474D4AD0D4}"/>
+              </a:ext>
+            </a:extLst>
+          </p:cNvPr>
+          <p:cNvSpPr>
+            <a:spLocks noGrp="1" noRot="1" noChangeAspect="1"/>
+          </p:cNvSpPr>
+          <p:nvPr>
+            <p:ph type="sldImg" idx="2"/>
+          </p:nvPr>
+        </p:nvSpPr>
+        <p:spPr>
+          <a:xfrm>
+            <a:off x="381000" y="685800"/>
+            <a:ext cx="6096000" cy="3429000"/>
+          </a:xfrm>
+          <a:custGeom>
+            <a:avLst/>
+            <a:gdLst/>
+            <a:ahLst/>
+            <a:cxnLst/>
+            <a:rect l="l" t="t" r="r" b="b"/>
+            <a:pathLst>
+              <a:path w="120000" h="120000" extrusionOk="0">
+                <a:moveTo>
+                  <a:pt x="0" y="0"/>
+                </a:moveTo>
+                <a:lnTo>
+                  <a:pt x="120000" y="0"/>
+                </a:lnTo>
+                <a:lnTo>
+                  <a:pt x="120000" y="120000"/>
+                </a:lnTo>
+                <a:lnTo>
+                  <a:pt x="0" y="120000"/>
+                </a:lnTo>
+                <a:close/>
+              </a:path>
+            </a:pathLst>
+          </a:custGeom>
+          <a:noFill/>
+          <a:ln w="9525" cap="flat" cmpd="sng">
+            <a:solidFill>
+              <a:srgbClr val="000000"/>
+            </a:solidFill>
+            <a:prstDash val="solid"/>
+            <a:round/>
+            <a:headEnd type="none" w="sm" len="sm"/>
+            <a:tailEnd type="none" w="sm" len="sm"/>
+          </a:ln>
+        </p:spPr>
+      </p:sp>
+      <p:sp>
+        <p:nvSpPr>
+          <p:cNvPr id="104" name="Google Shape;104;p5:notes">
+            <a:extLst>
+              <a:ext uri="{FF2B5EF4-FFF2-40B4-BE49-F238E27FC236}">
+                <a16:creationId xmlns:a16="http://schemas.microsoft.com/office/drawing/2014/main" id="{AACB6A6C-CA4D-28C0-5D29-1E9FB4F3B611}"/>
+              </a:ext>
+            </a:extLst>
+          </p:cNvPr>
+          <p:cNvSpPr txBox="1">
+            <a:spLocks noGrp="1"/>
+          </p:cNvSpPr>
+          <p:nvPr>
+            <p:ph type="body" idx="1"/>
+          </p:nvPr>
+        </p:nvSpPr>
+        <p:spPr>
+          <a:xfrm>
+            <a:off x="685800" y="4343400"/>
+            <a:ext cx="5486400" cy="4114800"/>
+          </a:xfrm>
+          <a:prstGeom prst="rect">
+            <a:avLst/>
+          </a:prstGeom>
+          <a:noFill/>
+          <a:ln>
+            <a:noFill/>
+          </a:ln>
+        </p:spPr>
+        <p:txBody>
+          <a:bodyPr spcFirstLastPara="1" wrap="square" lIns="91425" tIns="91425" rIns="91425" bIns="91425" anchor="t" anchorCtr="0">
+            <a:noAutofit/>
+          </a:bodyPr>
+          <a:lstStyle/>
+          <a:p>
+            <a:pPr marL="0" lvl="0" indent="0" algn="l" rtl="0">
+              <a:lnSpc>
+                <a:spcPct val="100000"/>
+              </a:lnSpc>
+              <a:spcBef>
+                <a:spcPts val="0"/>
+              </a:spcBef>
+              <a:spcAft>
+                <a:spcPts val="0"/>
+              </a:spcAft>
+              <a:buSzPts val="1100"/>
+              <a:buNone/>
+            </a:pPr>
+            <a:endParaRPr/>
+          </a:p>
+        </p:txBody>
+      </p:sp>
+    </p:spTree>
+    <p:extLst>
+      <p:ext uri="{BB962C8B-B14F-4D97-AF65-F5344CB8AC3E}">
+        <p14:creationId xmlns:p14="http://schemas.microsoft.com/office/powerpoint/2010/main" val="517958460"/>
+      </p:ext>
+    </p:extLst>
+  </p:cSld>
+  <p:clrMapOvr>
+    <a:masterClrMapping/>
+  </p:clrMapOvr>
+</p:notes>
+</file>
+
+<file path=ppt/notesSlides/notesSlide7.xml><?xml version="1.0" encoding="utf-8"?>
+<p:notes xmlns:a="http://schemas.openxmlformats.org/drawingml/2006/main" xmlns:r="http://schemas.openxmlformats.org/officeDocument/2006/relationships" xmlns:p="http://schemas.openxmlformats.org/presentationml/2006/main" showMasterSp="0" showMasterPhAnim="0">
+  <p:cSld>
+    <p:spTree>
+      <p:nvGrpSpPr>
         <p:cNvPr id="1" name="Shape 116"/>
         <p:cNvGrpSpPr/>
         <p:nvPr/>
@@ -1591,7 +1737,7 @@
 </p:notes>
 </file>
 
-<file path=ppt/notesSlides/notesSlide7.xml><?xml version="1.0" encoding="utf-8"?>
+<file path=ppt/notesSlides/notesSlide8.xml><?xml version="1.0" encoding="utf-8"?>
 <p:notes xmlns:a="http://schemas.openxmlformats.org/drawingml/2006/main" xmlns:r="http://schemas.openxmlformats.org/officeDocument/2006/relationships" xmlns:p="http://schemas.openxmlformats.org/presentationml/2006/main" showMasterSp="0" showMasterPhAnim="0">
   <p:cSld>
     <p:spTree>
@@ -9498,7 +9644,7 @@
               <a:buNone/>
             </a:pPr>
             <a:r>
-              <a:rPr lang="en-GB" sz="2500" b="1" i="0" u="none" strike="noStrike" cap="none">
+              <a:rPr lang="en-GB" sz="2500" b="1" i="0" u="none" strike="noStrike" cap="none" dirty="0">
                 <a:solidFill>
                   <a:srgbClr val="000000"/>
                 </a:solidFill>
@@ -9509,7 +9655,7 @@
               </a:rPr>
               <a:t>Problem Statement and Team Details</a:t>
             </a:r>
-            <a:endParaRPr sz="700" b="0" i="0" u="none" strike="noStrike" cap="none">
+            <a:endParaRPr sz="700" b="0" i="0" u="none" strike="noStrike" cap="none" dirty="0">
               <a:solidFill>
                 <a:srgbClr val="000000"/>
               </a:solidFill>
@@ -10480,7 +10626,7 @@
         </p:blipFill>
         <p:spPr>
           <a:xfrm>
-            <a:off x="108800" y="0"/>
+            <a:off x="188048" y="48768"/>
             <a:ext cx="1026150" cy="1026150"/>
           </a:xfrm>
           <a:prstGeom prst="rect">
@@ -10762,10 +10908,10 @@
               <a:buNone/>
             </a:pPr>
             <a:r>
-              <a:rPr lang="en-GB" sz="2500" b="1"/>
+              <a:rPr lang="en-GB" sz="2500" b="1" dirty="0"/>
               <a:t>Problem and Solution</a:t>
             </a:r>
-            <a:endParaRPr sz="700"/>
+            <a:endParaRPr sz="700" dirty="0"/>
           </a:p>
         </p:txBody>
       </p:sp>
@@ -15375,8 +15521,8 @@
         </p:nvSpPr>
         <p:spPr>
           <a:xfrm>
-            <a:off x="2051851" y="401025"/>
-            <a:ext cx="5040300" cy="384900"/>
+            <a:off x="2057945" y="316297"/>
+            <a:ext cx="5040300" cy="538609"/>
           </a:xfrm>
           <a:prstGeom prst="rect">
             <a:avLst/>
@@ -15405,10 +15551,9 @@
               <a:buNone/>
             </a:pPr>
             <a:r>
-              <a:rPr lang="en-GB" sz="2500" b="1"/>
+              <a:rPr lang="en-GB" sz="2500" b="1" dirty="0"/>
               <a:t>Technology Used</a:t>
             </a:r>
-            <a:endParaRPr sz="700"/>
           </a:p>
         </p:txBody>
       </p:sp>
@@ -17108,14 +17253,13 @@
         </p:nvPicPr>
         <p:blipFill>
           <a:blip r:embed="rId3"/>
-          <a:stretch>
-            <a:fillRect/>
-          </a:stretch>
+          <a:srcRect/>
+          <a:stretch/>
         </p:blipFill>
         <p:spPr>
           <a:xfrm>
-            <a:off x="5368792" y="1405120"/>
-            <a:ext cx="3027762" cy="3232802"/>
+            <a:off x="4917576" y="1919288"/>
+            <a:ext cx="3907803" cy="1953902"/>
           </a:xfrm>
           <a:prstGeom prst="rect">
             <a:avLst/>
@@ -17157,8 +17301,8 @@
         </p:nvSpPr>
         <p:spPr>
           <a:xfrm>
-            <a:off x="1966798" y="201350"/>
-            <a:ext cx="5210400" cy="384900"/>
+            <a:off x="2152587" y="284640"/>
+            <a:ext cx="5210400" cy="538609"/>
           </a:xfrm>
           <a:prstGeom prst="rect">
             <a:avLst/>
@@ -17174,23 +17318,15 @@
           </a:bodyPr>
           <a:lstStyle/>
           <a:p>
-            <a:pPr marL="0" marR="0" lvl="0" indent="0" algn="ctr" rtl="0">
+            <a:pPr lvl="0" algn="ctr">
               <a:lnSpc>
                 <a:spcPct val="140000"/>
               </a:lnSpc>
-              <a:spcBef>
-                <a:spcPts val="0"/>
-              </a:spcBef>
-              <a:spcAft>
-                <a:spcPts val="0"/>
-              </a:spcAft>
-              <a:buNone/>
             </a:pPr>
             <a:r>
-              <a:rPr lang="en-GB" sz="2500" b="1"/>
-              <a:t>Flowchart &amp; Supporting Images</a:t>
+              <a:rPr lang="en-GB" sz="2500" b="1" dirty="0"/>
+              <a:t>Supporting Images &amp; Result</a:t>
             </a:r>
-            <a:endParaRPr sz="700"/>
           </a:p>
         </p:txBody>
       </p:sp>
@@ -17202,7 +17338,7 @@
         </p:nvSpPr>
         <p:spPr>
           <a:xfrm>
-            <a:off x="5026935" y="1405535"/>
+            <a:off x="4917576" y="1413410"/>
             <a:ext cx="967465" cy="323165"/>
           </a:xfrm>
           <a:prstGeom prst="rect">
@@ -17241,7 +17377,7 @@
                 <a:cs typeface="Arial"/>
                 <a:sym typeface="Arial"/>
               </a:rPr>
-              <a:t>Flowchart</a:t>
+              <a:t>Result</a:t>
             </a:r>
             <a:endParaRPr sz="700" dirty="0"/>
           </a:p>
@@ -17575,6 +17711,1114 @@
   <p:cSld>
     <p:spTree>
       <p:nvGrpSpPr>
+        <p:cNvPr id="1" name="Shape 105">
+          <a:extLst>
+            <a:ext uri="{FF2B5EF4-FFF2-40B4-BE49-F238E27FC236}">
+              <a16:creationId xmlns:a16="http://schemas.microsoft.com/office/drawing/2014/main" id="{0AA7B026-17D2-AD90-021F-895CA8E5E389}"/>
+            </a:ext>
+          </a:extLst>
+        </p:cNvPr>
+        <p:cNvGrpSpPr/>
+        <p:nvPr/>
+      </p:nvGrpSpPr>
+      <p:grpSpPr>
+        <a:xfrm>
+          <a:off x="0" y="0"/>
+          <a:ext cx="0" cy="0"/>
+          <a:chOff x="0" y="0"/>
+          <a:chExt cx="0" cy="0"/>
+        </a:xfrm>
+      </p:grpSpPr>
+      <p:pic>
+        <p:nvPicPr>
+          <p:cNvPr id="106" name="Google Shape;106;p5">
+            <a:extLst>
+              <a:ext uri="{FF2B5EF4-FFF2-40B4-BE49-F238E27FC236}">
+                <a16:creationId xmlns:a16="http://schemas.microsoft.com/office/drawing/2014/main" id="{6B8FA42A-59BA-FA7C-C484-9ED847065F2E}"/>
+              </a:ext>
+            </a:extLst>
+          </p:cNvPr>
+          <p:cNvPicPr preferRelativeResize="0"/>
+          <p:nvPr/>
+        </p:nvPicPr>
+        <p:blipFill rotWithShape="1">
+          <a:blip r:embed="rId3">
+            <a:alphaModFix/>
+          </a:blip>
+          <a:srcRect/>
+          <a:stretch/>
+        </p:blipFill>
+        <p:spPr>
+          <a:xfrm>
+            <a:off x="360453" y="93855"/>
+            <a:ext cx="1026150" cy="1026150"/>
+          </a:xfrm>
+          <a:prstGeom prst="rect">
+            <a:avLst/>
+          </a:prstGeom>
+          <a:noFill/>
+          <a:ln>
+            <a:noFill/>
+          </a:ln>
+        </p:spPr>
+      </p:pic>
+      <p:sp>
+        <p:nvSpPr>
+          <p:cNvPr id="110" name="Google Shape;110;p5">
+            <a:extLst>
+              <a:ext uri="{FF2B5EF4-FFF2-40B4-BE49-F238E27FC236}">
+                <a16:creationId xmlns:a16="http://schemas.microsoft.com/office/drawing/2014/main" id="{A1C9F996-C1EA-FCD2-9DCA-8BA39F6AC5D2}"/>
+              </a:ext>
+            </a:extLst>
+          </p:cNvPr>
+          <p:cNvSpPr txBox="1"/>
+          <p:nvPr/>
+        </p:nvSpPr>
+        <p:spPr>
+          <a:xfrm>
+            <a:off x="2879737" y="139807"/>
+            <a:ext cx="3640641" cy="538609"/>
+          </a:xfrm>
+          <a:prstGeom prst="rect">
+            <a:avLst/>
+          </a:prstGeom>
+          <a:noFill/>
+          <a:ln>
+            <a:noFill/>
+          </a:ln>
+        </p:spPr>
+        <p:txBody>
+          <a:bodyPr spcFirstLastPara="1" wrap="square" lIns="0" tIns="0" rIns="0" bIns="0" anchor="t" anchorCtr="0">
+            <a:spAutoFit/>
+          </a:bodyPr>
+          <a:lstStyle/>
+          <a:p>
+            <a:pPr marL="0" marR="0" lvl="0" indent="0" algn="ctr" rtl="0">
+              <a:lnSpc>
+                <a:spcPct val="140000"/>
+              </a:lnSpc>
+              <a:spcBef>
+                <a:spcPts val="0"/>
+              </a:spcBef>
+              <a:spcAft>
+                <a:spcPts val="0"/>
+              </a:spcAft>
+              <a:buNone/>
+            </a:pPr>
+            <a:r>
+              <a:rPr lang="en-IN" sz="2500" b="1" spc="-150" dirty="0"/>
+              <a:t>Project Demonstration</a:t>
+            </a:r>
+          </a:p>
+        </p:txBody>
+      </p:sp>
+      <p:sp>
+        <p:nvSpPr>
+          <p:cNvPr id="14" name="Rectangle 13">
+            <a:extLst>
+              <a:ext uri="{FF2B5EF4-FFF2-40B4-BE49-F238E27FC236}">
+                <a16:creationId xmlns:a16="http://schemas.microsoft.com/office/drawing/2014/main" id="{A6F86F32-80E5-BF68-ED8C-98DBF82D552C}"/>
+              </a:ext>
+            </a:extLst>
+          </p:cNvPr>
+          <p:cNvSpPr/>
+          <p:nvPr/>
+        </p:nvSpPr>
+        <p:spPr>
+          <a:xfrm>
+            <a:off x="6907729" y="3282151"/>
+            <a:ext cx="45719" cy="66612"/>
+          </a:xfrm>
+          <a:prstGeom prst="rect">
+            <a:avLst/>
+          </a:prstGeom>
+          <a:solidFill>
+            <a:schemeClr val="bg1"/>
+          </a:solidFill>
+          <a:ln>
+            <a:noFill/>
+          </a:ln>
+        </p:spPr>
+        <p:style>
+          <a:lnRef idx="2">
+            <a:schemeClr val="accent1">
+              <a:shade val="15000"/>
+            </a:schemeClr>
+          </a:lnRef>
+          <a:fillRef idx="1">
+            <a:schemeClr val="accent1"/>
+          </a:fillRef>
+          <a:effectRef idx="0">
+            <a:schemeClr val="accent1"/>
+          </a:effectRef>
+          <a:fontRef idx="minor">
+            <a:schemeClr val="lt1"/>
+          </a:fontRef>
+        </p:style>
+        <p:txBody>
+          <a:bodyPr rtlCol="0" anchor="ctr"/>
+          <a:lstStyle/>
+          <a:p>
+            <a:pPr algn="ctr"/>
+            <a:endParaRPr lang="en-IN" sz="100" dirty="0"/>
+          </a:p>
+        </p:txBody>
+      </p:sp>
+      <p:pic>
+        <p:nvPicPr>
+          <p:cNvPr id="5" name="Picture 4" descr="A screenshot of a video game&#10;&#10;AI-generated content may be incorrect.">
+            <a:extLst>
+              <a:ext uri="{FF2B5EF4-FFF2-40B4-BE49-F238E27FC236}">
+                <a16:creationId xmlns:a16="http://schemas.microsoft.com/office/drawing/2014/main" id="{229D70F8-A8F1-3BEA-47E6-A24703A0CC6F}"/>
+              </a:ext>
+            </a:extLst>
+          </p:cNvPr>
+          <p:cNvPicPr>
+            <a:picLocks noChangeAspect="1"/>
+          </p:cNvPicPr>
+          <p:nvPr/>
+        </p:nvPicPr>
+        <p:blipFill>
+          <a:blip r:embed="rId4"/>
+          <a:stretch>
+            <a:fillRect/>
+          </a:stretch>
+        </p:blipFill>
+        <p:spPr>
+          <a:xfrm>
+            <a:off x="6058232" y="1035181"/>
+            <a:ext cx="2055251" cy="3354558"/>
+          </a:xfrm>
+          <a:prstGeom prst="roundRect">
+            <a:avLst>
+              <a:gd name="adj" fmla="val 8594"/>
+            </a:avLst>
+          </a:prstGeom>
+          <a:solidFill>
+            <a:srgbClr val="FFFFFF">
+              <a:shade val="85000"/>
+            </a:srgbClr>
+          </a:solidFill>
+          <a:ln>
+            <a:noFill/>
+          </a:ln>
+          <a:effectLst/>
+        </p:spPr>
+      </p:pic>
+      <p:pic>
+        <p:nvPicPr>
+          <p:cNvPr id="7" name="Picture 6" descr="A screen shot of a cellphone&#10;&#10;AI-generated content may be incorrect.">
+            <a:extLst>
+              <a:ext uri="{FF2B5EF4-FFF2-40B4-BE49-F238E27FC236}">
+                <a16:creationId xmlns:a16="http://schemas.microsoft.com/office/drawing/2014/main" id="{CFF58543-739D-6121-38A7-01F1133887E7}"/>
+              </a:ext>
+            </a:extLst>
+          </p:cNvPr>
+          <p:cNvPicPr>
+            <a:picLocks noChangeAspect="1"/>
+          </p:cNvPicPr>
+          <p:nvPr/>
+        </p:nvPicPr>
+        <p:blipFill>
+          <a:blip r:embed="rId5"/>
+          <a:stretch>
+            <a:fillRect/>
+          </a:stretch>
+        </p:blipFill>
+        <p:spPr>
+          <a:xfrm>
+            <a:off x="3615998" y="1053375"/>
+            <a:ext cx="2055251" cy="3343800"/>
+          </a:xfrm>
+          <a:prstGeom prst="roundRect">
+            <a:avLst>
+              <a:gd name="adj" fmla="val 8594"/>
+            </a:avLst>
+          </a:prstGeom>
+          <a:solidFill>
+            <a:srgbClr val="FFFFFF">
+              <a:shade val="85000"/>
+            </a:srgbClr>
+          </a:solidFill>
+          <a:ln>
+            <a:noFill/>
+          </a:ln>
+          <a:effectLst/>
+        </p:spPr>
+      </p:pic>
+      <p:pic>
+        <p:nvPicPr>
+          <p:cNvPr id="9" name="Picture 8" descr="A screenshot of a tool finder&#10;&#10;AI-generated content may be incorrect.">
+            <a:extLst>
+              <a:ext uri="{FF2B5EF4-FFF2-40B4-BE49-F238E27FC236}">
+                <a16:creationId xmlns:a16="http://schemas.microsoft.com/office/drawing/2014/main" id="{4CC8680A-51CF-9886-90DD-581B78EAB42B}"/>
+              </a:ext>
+            </a:extLst>
+          </p:cNvPr>
+          <p:cNvPicPr>
+            <a:picLocks noChangeAspect="1"/>
+          </p:cNvPicPr>
+          <p:nvPr/>
+        </p:nvPicPr>
+        <p:blipFill>
+          <a:blip r:embed="rId6"/>
+          <a:stretch>
+            <a:fillRect/>
+          </a:stretch>
+        </p:blipFill>
+        <p:spPr>
+          <a:xfrm>
+            <a:off x="1144857" y="1046324"/>
+            <a:ext cx="2052979" cy="3350851"/>
+          </a:xfrm>
+          <a:prstGeom prst="roundRect">
+            <a:avLst>
+              <a:gd name="adj" fmla="val 8594"/>
+            </a:avLst>
+          </a:prstGeom>
+          <a:solidFill>
+            <a:srgbClr val="FFFFFF">
+              <a:shade val="85000"/>
+            </a:srgbClr>
+          </a:solidFill>
+          <a:ln>
+            <a:noFill/>
+          </a:ln>
+          <a:effectLst/>
+        </p:spPr>
+      </p:pic>
+      <p:sp>
+        <p:nvSpPr>
+          <p:cNvPr id="10" name="Text 2">
+            <a:extLst>
+              <a:ext uri="{FF2B5EF4-FFF2-40B4-BE49-F238E27FC236}">
+                <a16:creationId xmlns:a16="http://schemas.microsoft.com/office/drawing/2014/main" id="{78680776-D86A-FF26-5254-D8FC977DC07B}"/>
+              </a:ext>
+            </a:extLst>
+          </p:cNvPr>
+          <p:cNvSpPr/>
+          <p:nvPr/>
+        </p:nvSpPr>
+        <p:spPr>
+          <a:xfrm>
+            <a:off x="1586114" y="749754"/>
+            <a:ext cx="1117443" cy="309855"/>
+          </a:xfrm>
+          <a:prstGeom prst="rect">
+            <a:avLst/>
+          </a:prstGeom>
+          <a:noFill/>
+          <a:ln/>
+        </p:spPr>
+        <p:txBody>
+          <a:bodyPr wrap="none" lIns="0" tIns="0" rIns="0" bIns="0" rtlCol="0" anchor="t"/>
+          <a:lstStyle>
+            <a:defPPr>
+              <a:defRPr lang="en-US"/>
+            </a:defPPr>
+            <a:lvl1pPr marL="0" algn="l" defTabSz="914400" rtl="0" eaLnBrk="1" latinLnBrk="0" hangingPunct="1">
+              <a:defRPr sz="1800" kern="1200">
+                <a:solidFill>
+                  <a:schemeClr val="tx1"/>
+                </a:solidFill>
+                <a:latin typeface="+mn-lt"/>
+                <a:ea typeface="+mn-ea"/>
+                <a:cs typeface="+mn-cs"/>
+              </a:defRPr>
+            </a:lvl1pPr>
+            <a:lvl2pPr marL="457200" algn="l" defTabSz="914400" rtl="0" eaLnBrk="1" latinLnBrk="0" hangingPunct="1">
+              <a:defRPr sz="1800" kern="1200">
+                <a:solidFill>
+                  <a:schemeClr val="tx1"/>
+                </a:solidFill>
+                <a:latin typeface="+mn-lt"/>
+                <a:ea typeface="+mn-ea"/>
+                <a:cs typeface="+mn-cs"/>
+              </a:defRPr>
+            </a:lvl2pPr>
+            <a:lvl3pPr marL="914400" algn="l" defTabSz="914400" rtl="0" eaLnBrk="1" latinLnBrk="0" hangingPunct="1">
+              <a:defRPr sz="1800" kern="1200">
+                <a:solidFill>
+                  <a:schemeClr val="tx1"/>
+                </a:solidFill>
+                <a:latin typeface="+mn-lt"/>
+                <a:ea typeface="+mn-ea"/>
+                <a:cs typeface="+mn-cs"/>
+              </a:defRPr>
+            </a:lvl3pPr>
+            <a:lvl4pPr marL="1371600" algn="l" defTabSz="914400" rtl="0" eaLnBrk="1" latinLnBrk="0" hangingPunct="1">
+              <a:defRPr sz="1800" kern="1200">
+                <a:solidFill>
+                  <a:schemeClr val="tx1"/>
+                </a:solidFill>
+                <a:latin typeface="+mn-lt"/>
+                <a:ea typeface="+mn-ea"/>
+                <a:cs typeface="+mn-cs"/>
+              </a:defRPr>
+            </a:lvl4pPr>
+            <a:lvl5pPr marL="1828800" algn="l" defTabSz="914400" rtl="0" eaLnBrk="1" latinLnBrk="0" hangingPunct="1">
+              <a:defRPr sz="1800" kern="1200">
+                <a:solidFill>
+                  <a:schemeClr val="tx1"/>
+                </a:solidFill>
+                <a:latin typeface="+mn-lt"/>
+                <a:ea typeface="+mn-ea"/>
+                <a:cs typeface="+mn-cs"/>
+              </a:defRPr>
+            </a:lvl5pPr>
+            <a:lvl6pPr marL="2286000" algn="l" defTabSz="914400" rtl="0" eaLnBrk="1" latinLnBrk="0" hangingPunct="1">
+              <a:defRPr sz="1800" kern="1200">
+                <a:solidFill>
+                  <a:schemeClr val="tx1"/>
+                </a:solidFill>
+                <a:latin typeface="+mn-lt"/>
+                <a:ea typeface="+mn-ea"/>
+                <a:cs typeface="+mn-cs"/>
+              </a:defRPr>
+            </a:lvl6pPr>
+            <a:lvl7pPr marL="2743200" algn="l" defTabSz="914400" rtl="0" eaLnBrk="1" latinLnBrk="0" hangingPunct="1">
+              <a:defRPr sz="1800" kern="1200">
+                <a:solidFill>
+                  <a:schemeClr val="tx1"/>
+                </a:solidFill>
+                <a:latin typeface="+mn-lt"/>
+                <a:ea typeface="+mn-ea"/>
+                <a:cs typeface="+mn-cs"/>
+              </a:defRPr>
+            </a:lvl7pPr>
+            <a:lvl8pPr marL="3200400" algn="l" defTabSz="914400" rtl="0" eaLnBrk="1" latinLnBrk="0" hangingPunct="1">
+              <a:defRPr sz="1800" kern="1200">
+                <a:solidFill>
+                  <a:schemeClr val="tx1"/>
+                </a:solidFill>
+                <a:latin typeface="+mn-lt"/>
+                <a:ea typeface="+mn-ea"/>
+                <a:cs typeface="+mn-cs"/>
+              </a:defRPr>
+            </a:lvl8pPr>
+            <a:lvl9pPr marL="3657600" algn="l" defTabSz="914400" rtl="0" eaLnBrk="1" latinLnBrk="0" hangingPunct="1">
+              <a:defRPr sz="1800" kern="1200">
+                <a:solidFill>
+                  <a:schemeClr val="tx1"/>
+                </a:solidFill>
+                <a:latin typeface="+mn-lt"/>
+                <a:ea typeface="+mn-ea"/>
+                <a:cs typeface="+mn-cs"/>
+              </a:defRPr>
+            </a:lvl9pPr>
+          </a:lstStyle>
+          <a:p>
+            <a:pPr marL="0" indent="0" algn="l">
+              <a:lnSpc>
+                <a:spcPts val="2050"/>
+              </a:lnSpc>
+              <a:buNone/>
+            </a:pPr>
+            <a:r>
+              <a:rPr lang="en-US" sz="1600" b="1" dirty="0">
+                <a:solidFill>
+                  <a:srgbClr val="151617"/>
+                </a:solidFill>
+                <a:latin typeface="Inconsolata" pitchFamily="1" charset="0"/>
+                <a:ea typeface="Inconsolata" pitchFamily="1" charset="0"/>
+              </a:rPr>
+              <a:t>Home Screen</a:t>
+            </a:r>
+          </a:p>
+        </p:txBody>
+      </p:sp>
+      <p:sp>
+        <p:nvSpPr>
+          <p:cNvPr id="12" name="Text 2">
+            <a:extLst>
+              <a:ext uri="{FF2B5EF4-FFF2-40B4-BE49-F238E27FC236}">
+                <a16:creationId xmlns:a16="http://schemas.microsoft.com/office/drawing/2014/main" id="{6B52F0B8-F6E5-2EC4-09A9-08E3EDE465D1}"/>
+              </a:ext>
+            </a:extLst>
+          </p:cNvPr>
+          <p:cNvSpPr/>
+          <p:nvPr/>
+        </p:nvSpPr>
+        <p:spPr>
+          <a:xfrm>
+            <a:off x="3881009" y="737491"/>
+            <a:ext cx="1459587" cy="309855"/>
+          </a:xfrm>
+          <a:prstGeom prst="rect">
+            <a:avLst/>
+          </a:prstGeom>
+          <a:noFill/>
+          <a:ln/>
+        </p:spPr>
+        <p:txBody>
+          <a:bodyPr wrap="none" lIns="0" tIns="0" rIns="0" bIns="0" rtlCol="0" anchor="t"/>
+          <a:lstStyle>
+            <a:defPPr>
+              <a:defRPr lang="en-US"/>
+            </a:defPPr>
+            <a:lvl1pPr marL="0" algn="l" defTabSz="914400" rtl="0" eaLnBrk="1" latinLnBrk="0" hangingPunct="1">
+              <a:defRPr sz="1800" kern="1200">
+                <a:solidFill>
+                  <a:schemeClr val="tx1"/>
+                </a:solidFill>
+                <a:latin typeface="+mn-lt"/>
+                <a:ea typeface="+mn-ea"/>
+                <a:cs typeface="+mn-cs"/>
+              </a:defRPr>
+            </a:lvl1pPr>
+            <a:lvl2pPr marL="457200" algn="l" defTabSz="914400" rtl="0" eaLnBrk="1" latinLnBrk="0" hangingPunct="1">
+              <a:defRPr sz="1800" kern="1200">
+                <a:solidFill>
+                  <a:schemeClr val="tx1"/>
+                </a:solidFill>
+                <a:latin typeface="+mn-lt"/>
+                <a:ea typeface="+mn-ea"/>
+                <a:cs typeface="+mn-cs"/>
+              </a:defRPr>
+            </a:lvl2pPr>
+            <a:lvl3pPr marL="914400" algn="l" defTabSz="914400" rtl="0" eaLnBrk="1" latinLnBrk="0" hangingPunct="1">
+              <a:defRPr sz="1800" kern="1200">
+                <a:solidFill>
+                  <a:schemeClr val="tx1"/>
+                </a:solidFill>
+                <a:latin typeface="+mn-lt"/>
+                <a:ea typeface="+mn-ea"/>
+                <a:cs typeface="+mn-cs"/>
+              </a:defRPr>
+            </a:lvl3pPr>
+            <a:lvl4pPr marL="1371600" algn="l" defTabSz="914400" rtl="0" eaLnBrk="1" latinLnBrk="0" hangingPunct="1">
+              <a:defRPr sz="1800" kern="1200">
+                <a:solidFill>
+                  <a:schemeClr val="tx1"/>
+                </a:solidFill>
+                <a:latin typeface="+mn-lt"/>
+                <a:ea typeface="+mn-ea"/>
+                <a:cs typeface="+mn-cs"/>
+              </a:defRPr>
+            </a:lvl4pPr>
+            <a:lvl5pPr marL="1828800" algn="l" defTabSz="914400" rtl="0" eaLnBrk="1" latinLnBrk="0" hangingPunct="1">
+              <a:defRPr sz="1800" kern="1200">
+                <a:solidFill>
+                  <a:schemeClr val="tx1"/>
+                </a:solidFill>
+                <a:latin typeface="+mn-lt"/>
+                <a:ea typeface="+mn-ea"/>
+                <a:cs typeface="+mn-cs"/>
+              </a:defRPr>
+            </a:lvl5pPr>
+            <a:lvl6pPr marL="2286000" algn="l" defTabSz="914400" rtl="0" eaLnBrk="1" latinLnBrk="0" hangingPunct="1">
+              <a:defRPr sz="1800" kern="1200">
+                <a:solidFill>
+                  <a:schemeClr val="tx1"/>
+                </a:solidFill>
+                <a:latin typeface="+mn-lt"/>
+                <a:ea typeface="+mn-ea"/>
+                <a:cs typeface="+mn-cs"/>
+              </a:defRPr>
+            </a:lvl6pPr>
+            <a:lvl7pPr marL="2743200" algn="l" defTabSz="914400" rtl="0" eaLnBrk="1" latinLnBrk="0" hangingPunct="1">
+              <a:defRPr sz="1800" kern="1200">
+                <a:solidFill>
+                  <a:schemeClr val="tx1"/>
+                </a:solidFill>
+                <a:latin typeface="+mn-lt"/>
+                <a:ea typeface="+mn-ea"/>
+                <a:cs typeface="+mn-cs"/>
+              </a:defRPr>
+            </a:lvl7pPr>
+            <a:lvl8pPr marL="3200400" algn="l" defTabSz="914400" rtl="0" eaLnBrk="1" latinLnBrk="0" hangingPunct="1">
+              <a:defRPr sz="1800" kern="1200">
+                <a:solidFill>
+                  <a:schemeClr val="tx1"/>
+                </a:solidFill>
+                <a:latin typeface="+mn-lt"/>
+                <a:ea typeface="+mn-ea"/>
+                <a:cs typeface="+mn-cs"/>
+              </a:defRPr>
+            </a:lvl8pPr>
+            <a:lvl9pPr marL="3657600" algn="l" defTabSz="914400" rtl="0" eaLnBrk="1" latinLnBrk="0" hangingPunct="1">
+              <a:defRPr sz="1800" kern="1200">
+                <a:solidFill>
+                  <a:schemeClr val="tx1"/>
+                </a:solidFill>
+                <a:latin typeface="+mn-lt"/>
+                <a:ea typeface="+mn-ea"/>
+                <a:cs typeface="+mn-cs"/>
+              </a:defRPr>
+            </a:lvl9pPr>
+          </a:lstStyle>
+          <a:p>
+            <a:pPr marL="0" indent="0" algn="l">
+              <a:lnSpc>
+                <a:spcPts val="2050"/>
+              </a:lnSpc>
+              <a:buNone/>
+            </a:pPr>
+            <a:r>
+              <a:rPr lang="en-US" sz="1600" b="1" dirty="0">
+                <a:latin typeface="Inconsolata" pitchFamily="1" charset="0"/>
+                <a:ea typeface="Inconsolata" pitchFamily="1" charset="0"/>
+              </a:rPr>
+              <a:t>Preview Screen</a:t>
+            </a:r>
+          </a:p>
+        </p:txBody>
+      </p:sp>
+      <p:sp>
+        <p:nvSpPr>
+          <p:cNvPr id="15" name="Text 2">
+            <a:extLst>
+              <a:ext uri="{FF2B5EF4-FFF2-40B4-BE49-F238E27FC236}">
+                <a16:creationId xmlns:a16="http://schemas.microsoft.com/office/drawing/2014/main" id="{18D125B4-D18F-2FD4-D9A5-70FC72F57D0D}"/>
+              </a:ext>
+            </a:extLst>
+          </p:cNvPr>
+          <p:cNvSpPr/>
+          <p:nvPr/>
+        </p:nvSpPr>
+        <p:spPr>
+          <a:xfrm>
+            <a:off x="6457462" y="737491"/>
+            <a:ext cx="1322434" cy="309855"/>
+          </a:xfrm>
+          <a:prstGeom prst="rect">
+            <a:avLst/>
+          </a:prstGeom>
+          <a:noFill/>
+          <a:ln/>
+        </p:spPr>
+        <p:txBody>
+          <a:bodyPr wrap="none" lIns="0" tIns="0" rIns="0" bIns="0" rtlCol="0" anchor="t"/>
+          <a:lstStyle>
+            <a:defPPr>
+              <a:defRPr lang="en-US"/>
+            </a:defPPr>
+            <a:lvl1pPr marL="0" algn="l" defTabSz="914400" rtl="0" eaLnBrk="1" latinLnBrk="0" hangingPunct="1">
+              <a:defRPr sz="1800" kern="1200">
+                <a:solidFill>
+                  <a:schemeClr val="tx1"/>
+                </a:solidFill>
+                <a:latin typeface="+mn-lt"/>
+                <a:ea typeface="+mn-ea"/>
+                <a:cs typeface="+mn-cs"/>
+              </a:defRPr>
+            </a:lvl1pPr>
+            <a:lvl2pPr marL="457200" algn="l" defTabSz="914400" rtl="0" eaLnBrk="1" latinLnBrk="0" hangingPunct="1">
+              <a:defRPr sz="1800" kern="1200">
+                <a:solidFill>
+                  <a:schemeClr val="tx1"/>
+                </a:solidFill>
+                <a:latin typeface="+mn-lt"/>
+                <a:ea typeface="+mn-ea"/>
+                <a:cs typeface="+mn-cs"/>
+              </a:defRPr>
+            </a:lvl2pPr>
+            <a:lvl3pPr marL="914400" algn="l" defTabSz="914400" rtl="0" eaLnBrk="1" latinLnBrk="0" hangingPunct="1">
+              <a:defRPr sz="1800" kern="1200">
+                <a:solidFill>
+                  <a:schemeClr val="tx1"/>
+                </a:solidFill>
+                <a:latin typeface="+mn-lt"/>
+                <a:ea typeface="+mn-ea"/>
+                <a:cs typeface="+mn-cs"/>
+              </a:defRPr>
+            </a:lvl3pPr>
+            <a:lvl4pPr marL="1371600" algn="l" defTabSz="914400" rtl="0" eaLnBrk="1" latinLnBrk="0" hangingPunct="1">
+              <a:defRPr sz="1800" kern="1200">
+                <a:solidFill>
+                  <a:schemeClr val="tx1"/>
+                </a:solidFill>
+                <a:latin typeface="+mn-lt"/>
+                <a:ea typeface="+mn-ea"/>
+                <a:cs typeface="+mn-cs"/>
+              </a:defRPr>
+            </a:lvl4pPr>
+            <a:lvl5pPr marL="1828800" algn="l" defTabSz="914400" rtl="0" eaLnBrk="1" latinLnBrk="0" hangingPunct="1">
+              <a:defRPr sz="1800" kern="1200">
+                <a:solidFill>
+                  <a:schemeClr val="tx1"/>
+                </a:solidFill>
+                <a:latin typeface="+mn-lt"/>
+                <a:ea typeface="+mn-ea"/>
+                <a:cs typeface="+mn-cs"/>
+              </a:defRPr>
+            </a:lvl5pPr>
+            <a:lvl6pPr marL="2286000" algn="l" defTabSz="914400" rtl="0" eaLnBrk="1" latinLnBrk="0" hangingPunct="1">
+              <a:defRPr sz="1800" kern="1200">
+                <a:solidFill>
+                  <a:schemeClr val="tx1"/>
+                </a:solidFill>
+                <a:latin typeface="+mn-lt"/>
+                <a:ea typeface="+mn-ea"/>
+                <a:cs typeface="+mn-cs"/>
+              </a:defRPr>
+            </a:lvl6pPr>
+            <a:lvl7pPr marL="2743200" algn="l" defTabSz="914400" rtl="0" eaLnBrk="1" latinLnBrk="0" hangingPunct="1">
+              <a:defRPr sz="1800" kern="1200">
+                <a:solidFill>
+                  <a:schemeClr val="tx1"/>
+                </a:solidFill>
+                <a:latin typeface="+mn-lt"/>
+                <a:ea typeface="+mn-ea"/>
+                <a:cs typeface="+mn-cs"/>
+              </a:defRPr>
+            </a:lvl7pPr>
+            <a:lvl8pPr marL="3200400" algn="l" defTabSz="914400" rtl="0" eaLnBrk="1" latinLnBrk="0" hangingPunct="1">
+              <a:defRPr sz="1800" kern="1200">
+                <a:solidFill>
+                  <a:schemeClr val="tx1"/>
+                </a:solidFill>
+                <a:latin typeface="+mn-lt"/>
+                <a:ea typeface="+mn-ea"/>
+                <a:cs typeface="+mn-cs"/>
+              </a:defRPr>
+            </a:lvl8pPr>
+            <a:lvl9pPr marL="3657600" algn="l" defTabSz="914400" rtl="0" eaLnBrk="1" latinLnBrk="0" hangingPunct="1">
+              <a:defRPr sz="1800" kern="1200">
+                <a:solidFill>
+                  <a:schemeClr val="tx1"/>
+                </a:solidFill>
+                <a:latin typeface="+mn-lt"/>
+                <a:ea typeface="+mn-ea"/>
+                <a:cs typeface="+mn-cs"/>
+              </a:defRPr>
+            </a:lvl9pPr>
+          </a:lstStyle>
+          <a:p>
+            <a:pPr marL="0" indent="0" algn="l">
+              <a:lnSpc>
+                <a:spcPts val="2050"/>
+              </a:lnSpc>
+              <a:buNone/>
+            </a:pPr>
+            <a:r>
+              <a:rPr lang="en-US" sz="1600" b="1" dirty="0">
+                <a:solidFill>
+                  <a:srgbClr val="151617"/>
+                </a:solidFill>
+                <a:latin typeface="Inconsolata" pitchFamily="1" charset="0"/>
+                <a:ea typeface="Inconsolata" pitchFamily="1" charset="0"/>
+              </a:rPr>
+              <a:t>Result Screen</a:t>
+            </a:r>
+            <a:endParaRPr lang="en-US" sz="1600" dirty="0">
+              <a:latin typeface="Inconsolata" pitchFamily="1" charset="0"/>
+              <a:ea typeface="Inconsolata" pitchFamily="1" charset="0"/>
+            </a:endParaRPr>
+          </a:p>
+        </p:txBody>
+      </p:sp>
+      <p:sp>
+        <p:nvSpPr>
+          <p:cNvPr id="2" name="Text 5">
+            <a:extLst>
+              <a:ext uri="{FF2B5EF4-FFF2-40B4-BE49-F238E27FC236}">
+                <a16:creationId xmlns:a16="http://schemas.microsoft.com/office/drawing/2014/main" id="{FD73BF04-D5A1-AC5C-3E37-E46FEDE26471}"/>
+              </a:ext>
+            </a:extLst>
+          </p:cNvPr>
+          <p:cNvSpPr/>
+          <p:nvPr/>
+        </p:nvSpPr>
+        <p:spPr>
+          <a:xfrm>
+            <a:off x="1076944" y="4486801"/>
+            <a:ext cx="2120892" cy="614027"/>
+          </a:xfrm>
+          <a:prstGeom prst="rect">
+            <a:avLst/>
+          </a:prstGeom>
+          <a:noFill/>
+          <a:ln/>
+        </p:spPr>
+        <p:txBody>
+          <a:bodyPr wrap="square" lIns="0" tIns="0" rIns="0" bIns="0" rtlCol="0" anchor="t"/>
+          <a:lstStyle>
+            <a:defPPr>
+              <a:defRPr lang="en-US"/>
+            </a:defPPr>
+            <a:lvl1pPr marL="0" algn="l" defTabSz="914400" rtl="0" eaLnBrk="1" latinLnBrk="0" hangingPunct="1">
+              <a:defRPr sz="1800" kern="1200">
+                <a:solidFill>
+                  <a:schemeClr val="tx1"/>
+                </a:solidFill>
+                <a:latin typeface="+mn-lt"/>
+                <a:ea typeface="+mn-ea"/>
+                <a:cs typeface="+mn-cs"/>
+              </a:defRPr>
+            </a:lvl1pPr>
+            <a:lvl2pPr marL="457200" algn="l" defTabSz="914400" rtl="0" eaLnBrk="1" latinLnBrk="0" hangingPunct="1">
+              <a:defRPr sz="1800" kern="1200">
+                <a:solidFill>
+                  <a:schemeClr val="tx1"/>
+                </a:solidFill>
+                <a:latin typeface="+mn-lt"/>
+                <a:ea typeface="+mn-ea"/>
+                <a:cs typeface="+mn-cs"/>
+              </a:defRPr>
+            </a:lvl2pPr>
+            <a:lvl3pPr marL="914400" algn="l" defTabSz="914400" rtl="0" eaLnBrk="1" latinLnBrk="0" hangingPunct="1">
+              <a:defRPr sz="1800" kern="1200">
+                <a:solidFill>
+                  <a:schemeClr val="tx1"/>
+                </a:solidFill>
+                <a:latin typeface="+mn-lt"/>
+                <a:ea typeface="+mn-ea"/>
+                <a:cs typeface="+mn-cs"/>
+              </a:defRPr>
+            </a:lvl3pPr>
+            <a:lvl4pPr marL="1371600" algn="l" defTabSz="914400" rtl="0" eaLnBrk="1" latinLnBrk="0" hangingPunct="1">
+              <a:defRPr sz="1800" kern="1200">
+                <a:solidFill>
+                  <a:schemeClr val="tx1"/>
+                </a:solidFill>
+                <a:latin typeface="+mn-lt"/>
+                <a:ea typeface="+mn-ea"/>
+                <a:cs typeface="+mn-cs"/>
+              </a:defRPr>
+            </a:lvl4pPr>
+            <a:lvl5pPr marL="1828800" algn="l" defTabSz="914400" rtl="0" eaLnBrk="1" latinLnBrk="0" hangingPunct="1">
+              <a:defRPr sz="1800" kern="1200">
+                <a:solidFill>
+                  <a:schemeClr val="tx1"/>
+                </a:solidFill>
+                <a:latin typeface="+mn-lt"/>
+                <a:ea typeface="+mn-ea"/>
+                <a:cs typeface="+mn-cs"/>
+              </a:defRPr>
+            </a:lvl5pPr>
+            <a:lvl6pPr marL="2286000" algn="l" defTabSz="914400" rtl="0" eaLnBrk="1" latinLnBrk="0" hangingPunct="1">
+              <a:defRPr sz="1800" kern="1200">
+                <a:solidFill>
+                  <a:schemeClr val="tx1"/>
+                </a:solidFill>
+                <a:latin typeface="+mn-lt"/>
+                <a:ea typeface="+mn-ea"/>
+                <a:cs typeface="+mn-cs"/>
+              </a:defRPr>
+            </a:lvl6pPr>
+            <a:lvl7pPr marL="2743200" algn="l" defTabSz="914400" rtl="0" eaLnBrk="1" latinLnBrk="0" hangingPunct="1">
+              <a:defRPr sz="1800" kern="1200">
+                <a:solidFill>
+                  <a:schemeClr val="tx1"/>
+                </a:solidFill>
+                <a:latin typeface="+mn-lt"/>
+                <a:ea typeface="+mn-ea"/>
+                <a:cs typeface="+mn-cs"/>
+              </a:defRPr>
+            </a:lvl7pPr>
+            <a:lvl8pPr marL="3200400" algn="l" defTabSz="914400" rtl="0" eaLnBrk="1" latinLnBrk="0" hangingPunct="1">
+              <a:defRPr sz="1800" kern="1200">
+                <a:solidFill>
+                  <a:schemeClr val="tx1"/>
+                </a:solidFill>
+                <a:latin typeface="+mn-lt"/>
+                <a:ea typeface="+mn-ea"/>
+                <a:cs typeface="+mn-cs"/>
+              </a:defRPr>
+            </a:lvl8pPr>
+            <a:lvl9pPr marL="3657600" algn="l" defTabSz="914400" rtl="0" eaLnBrk="1" latinLnBrk="0" hangingPunct="1">
+              <a:defRPr sz="1800" kern="1200">
+                <a:solidFill>
+                  <a:schemeClr val="tx1"/>
+                </a:solidFill>
+                <a:latin typeface="+mn-lt"/>
+                <a:ea typeface="+mn-ea"/>
+                <a:cs typeface="+mn-cs"/>
+              </a:defRPr>
+            </a:lvl9pPr>
+          </a:lstStyle>
+          <a:p>
+            <a:r>
+              <a:rPr lang="en-IN" sz="1000" b="1" dirty="0">
+                <a:latin typeface="Inconsolata" pitchFamily="1" charset="0"/>
+                <a:ea typeface="Inconsolata" pitchFamily="1" charset="0"/>
+              </a:rPr>
+              <a:t>The main interface, allowing users to initiate image capture or selection for object detection.</a:t>
+            </a:r>
+          </a:p>
+        </p:txBody>
+      </p:sp>
+      <p:sp>
+        <p:nvSpPr>
+          <p:cNvPr id="3" name="Text 5">
+            <a:extLst>
+              <a:ext uri="{FF2B5EF4-FFF2-40B4-BE49-F238E27FC236}">
+                <a16:creationId xmlns:a16="http://schemas.microsoft.com/office/drawing/2014/main" id="{B77414ED-7E8A-4EDE-52FF-B84976F26B2E}"/>
+              </a:ext>
+            </a:extLst>
+          </p:cNvPr>
+          <p:cNvSpPr/>
+          <p:nvPr/>
+        </p:nvSpPr>
+        <p:spPr>
+          <a:xfrm>
+            <a:off x="3550357" y="4492595"/>
+            <a:ext cx="2120892" cy="614027"/>
+          </a:xfrm>
+          <a:prstGeom prst="rect">
+            <a:avLst/>
+          </a:prstGeom>
+          <a:noFill/>
+          <a:ln/>
+        </p:spPr>
+        <p:txBody>
+          <a:bodyPr wrap="square" lIns="0" tIns="0" rIns="0" bIns="0" rtlCol="0" anchor="t"/>
+          <a:lstStyle>
+            <a:defPPr>
+              <a:defRPr lang="en-US"/>
+            </a:defPPr>
+            <a:lvl1pPr marL="0" algn="l" defTabSz="914400" rtl="0" eaLnBrk="1" latinLnBrk="0" hangingPunct="1">
+              <a:defRPr sz="1800" kern="1200">
+                <a:solidFill>
+                  <a:schemeClr val="tx1"/>
+                </a:solidFill>
+                <a:latin typeface="+mn-lt"/>
+                <a:ea typeface="+mn-ea"/>
+                <a:cs typeface="+mn-cs"/>
+              </a:defRPr>
+            </a:lvl1pPr>
+            <a:lvl2pPr marL="457200" algn="l" defTabSz="914400" rtl="0" eaLnBrk="1" latinLnBrk="0" hangingPunct="1">
+              <a:defRPr sz="1800" kern="1200">
+                <a:solidFill>
+                  <a:schemeClr val="tx1"/>
+                </a:solidFill>
+                <a:latin typeface="+mn-lt"/>
+                <a:ea typeface="+mn-ea"/>
+                <a:cs typeface="+mn-cs"/>
+              </a:defRPr>
+            </a:lvl2pPr>
+            <a:lvl3pPr marL="914400" algn="l" defTabSz="914400" rtl="0" eaLnBrk="1" latinLnBrk="0" hangingPunct="1">
+              <a:defRPr sz="1800" kern="1200">
+                <a:solidFill>
+                  <a:schemeClr val="tx1"/>
+                </a:solidFill>
+                <a:latin typeface="+mn-lt"/>
+                <a:ea typeface="+mn-ea"/>
+                <a:cs typeface="+mn-cs"/>
+              </a:defRPr>
+            </a:lvl3pPr>
+            <a:lvl4pPr marL="1371600" algn="l" defTabSz="914400" rtl="0" eaLnBrk="1" latinLnBrk="0" hangingPunct="1">
+              <a:defRPr sz="1800" kern="1200">
+                <a:solidFill>
+                  <a:schemeClr val="tx1"/>
+                </a:solidFill>
+                <a:latin typeface="+mn-lt"/>
+                <a:ea typeface="+mn-ea"/>
+                <a:cs typeface="+mn-cs"/>
+              </a:defRPr>
+            </a:lvl4pPr>
+            <a:lvl5pPr marL="1828800" algn="l" defTabSz="914400" rtl="0" eaLnBrk="1" latinLnBrk="0" hangingPunct="1">
+              <a:defRPr sz="1800" kern="1200">
+                <a:solidFill>
+                  <a:schemeClr val="tx1"/>
+                </a:solidFill>
+                <a:latin typeface="+mn-lt"/>
+                <a:ea typeface="+mn-ea"/>
+                <a:cs typeface="+mn-cs"/>
+              </a:defRPr>
+            </a:lvl5pPr>
+            <a:lvl6pPr marL="2286000" algn="l" defTabSz="914400" rtl="0" eaLnBrk="1" latinLnBrk="0" hangingPunct="1">
+              <a:defRPr sz="1800" kern="1200">
+                <a:solidFill>
+                  <a:schemeClr val="tx1"/>
+                </a:solidFill>
+                <a:latin typeface="+mn-lt"/>
+                <a:ea typeface="+mn-ea"/>
+                <a:cs typeface="+mn-cs"/>
+              </a:defRPr>
+            </a:lvl6pPr>
+            <a:lvl7pPr marL="2743200" algn="l" defTabSz="914400" rtl="0" eaLnBrk="1" latinLnBrk="0" hangingPunct="1">
+              <a:defRPr sz="1800" kern="1200">
+                <a:solidFill>
+                  <a:schemeClr val="tx1"/>
+                </a:solidFill>
+                <a:latin typeface="+mn-lt"/>
+                <a:ea typeface="+mn-ea"/>
+                <a:cs typeface="+mn-cs"/>
+              </a:defRPr>
+            </a:lvl7pPr>
+            <a:lvl8pPr marL="3200400" algn="l" defTabSz="914400" rtl="0" eaLnBrk="1" latinLnBrk="0" hangingPunct="1">
+              <a:defRPr sz="1800" kern="1200">
+                <a:solidFill>
+                  <a:schemeClr val="tx1"/>
+                </a:solidFill>
+                <a:latin typeface="+mn-lt"/>
+                <a:ea typeface="+mn-ea"/>
+                <a:cs typeface="+mn-cs"/>
+              </a:defRPr>
+            </a:lvl8pPr>
+            <a:lvl9pPr marL="3657600" algn="l" defTabSz="914400" rtl="0" eaLnBrk="1" latinLnBrk="0" hangingPunct="1">
+              <a:defRPr sz="1800" kern="1200">
+                <a:solidFill>
+                  <a:schemeClr val="tx1"/>
+                </a:solidFill>
+                <a:latin typeface="+mn-lt"/>
+                <a:ea typeface="+mn-ea"/>
+                <a:cs typeface="+mn-cs"/>
+              </a:defRPr>
+            </a:lvl9pPr>
+          </a:lstStyle>
+          <a:p>
+            <a:r>
+              <a:rPr lang="en-IN" sz="1000" b="1" dirty="0">
+                <a:latin typeface="Inconsolata" pitchFamily="1" charset="0"/>
+                <a:ea typeface="Inconsolata" pitchFamily="1" charset="0"/>
+              </a:rPr>
+              <a:t>Displays the selected or captured image, ready for processing by the YOLOv8 model.</a:t>
+            </a:r>
+          </a:p>
+        </p:txBody>
+      </p:sp>
+      <p:sp>
+        <p:nvSpPr>
+          <p:cNvPr id="4" name="Text 5">
+            <a:extLst>
+              <a:ext uri="{FF2B5EF4-FFF2-40B4-BE49-F238E27FC236}">
+                <a16:creationId xmlns:a16="http://schemas.microsoft.com/office/drawing/2014/main" id="{A59435BD-8F41-AB45-683D-FC8FA2B2F7CB}"/>
+              </a:ext>
+            </a:extLst>
+          </p:cNvPr>
+          <p:cNvSpPr/>
+          <p:nvPr/>
+        </p:nvSpPr>
+        <p:spPr>
+          <a:xfrm>
+            <a:off x="6058233" y="4486800"/>
+            <a:ext cx="2120892" cy="614027"/>
+          </a:xfrm>
+          <a:prstGeom prst="rect">
+            <a:avLst/>
+          </a:prstGeom>
+          <a:noFill/>
+          <a:ln/>
+        </p:spPr>
+        <p:txBody>
+          <a:bodyPr wrap="square" lIns="0" tIns="0" rIns="0" bIns="0" rtlCol="0" anchor="t"/>
+          <a:lstStyle>
+            <a:defPPr>
+              <a:defRPr lang="en-US"/>
+            </a:defPPr>
+            <a:lvl1pPr marL="0" algn="l" defTabSz="914400" rtl="0" eaLnBrk="1" latinLnBrk="0" hangingPunct="1">
+              <a:defRPr sz="1800" kern="1200">
+                <a:solidFill>
+                  <a:schemeClr val="tx1"/>
+                </a:solidFill>
+                <a:latin typeface="+mn-lt"/>
+                <a:ea typeface="+mn-ea"/>
+                <a:cs typeface="+mn-cs"/>
+              </a:defRPr>
+            </a:lvl1pPr>
+            <a:lvl2pPr marL="457200" algn="l" defTabSz="914400" rtl="0" eaLnBrk="1" latinLnBrk="0" hangingPunct="1">
+              <a:defRPr sz="1800" kern="1200">
+                <a:solidFill>
+                  <a:schemeClr val="tx1"/>
+                </a:solidFill>
+                <a:latin typeface="+mn-lt"/>
+                <a:ea typeface="+mn-ea"/>
+                <a:cs typeface="+mn-cs"/>
+              </a:defRPr>
+            </a:lvl2pPr>
+            <a:lvl3pPr marL="914400" algn="l" defTabSz="914400" rtl="0" eaLnBrk="1" latinLnBrk="0" hangingPunct="1">
+              <a:defRPr sz="1800" kern="1200">
+                <a:solidFill>
+                  <a:schemeClr val="tx1"/>
+                </a:solidFill>
+                <a:latin typeface="+mn-lt"/>
+                <a:ea typeface="+mn-ea"/>
+                <a:cs typeface="+mn-cs"/>
+              </a:defRPr>
+            </a:lvl3pPr>
+            <a:lvl4pPr marL="1371600" algn="l" defTabSz="914400" rtl="0" eaLnBrk="1" latinLnBrk="0" hangingPunct="1">
+              <a:defRPr sz="1800" kern="1200">
+                <a:solidFill>
+                  <a:schemeClr val="tx1"/>
+                </a:solidFill>
+                <a:latin typeface="+mn-lt"/>
+                <a:ea typeface="+mn-ea"/>
+                <a:cs typeface="+mn-cs"/>
+              </a:defRPr>
+            </a:lvl4pPr>
+            <a:lvl5pPr marL="1828800" algn="l" defTabSz="914400" rtl="0" eaLnBrk="1" latinLnBrk="0" hangingPunct="1">
+              <a:defRPr sz="1800" kern="1200">
+                <a:solidFill>
+                  <a:schemeClr val="tx1"/>
+                </a:solidFill>
+                <a:latin typeface="+mn-lt"/>
+                <a:ea typeface="+mn-ea"/>
+                <a:cs typeface="+mn-cs"/>
+              </a:defRPr>
+            </a:lvl5pPr>
+            <a:lvl6pPr marL="2286000" algn="l" defTabSz="914400" rtl="0" eaLnBrk="1" latinLnBrk="0" hangingPunct="1">
+              <a:defRPr sz="1800" kern="1200">
+                <a:solidFill>
+                  <a:schemeClr val="tx1"/>
+                </a:solidFill>
+                <a:latin typeface="+mn-lt"/>
+                <a:ea typeface="+mn-ea"/>
+                <a:cs typeface="+mn-cs"/>
+              </a:defRPr>
+            </a:lvl6pPr>
+            <a:lvl7pPr marL="2743200" algn="l" defTabSz="914400" rtl="0" eaLnBrk="1" latinLnBrk="0" hangingPunct="1">
+              <a:defRPr sz="1800" kern="1200">
+                <a:solidFill>
+                  <a:schemeClr val="tx1"/>
+                </a:solidFill>
+                <a:latin typeface="+mn-lt"/>
+                <a:ea typeface="+mn-ea"/>
+                <a:cs typeface="+mn-cs"/>
+              </a:defRPr>
+            </a:lvl7pPr>
+            <a:lvl8pPr marL="3200400" algn="l" defTabSz="914400" rtl="0" eaLnBrk="1" latinLnBrk="0" hangingPunct="1">
+              <a:defRPr sz="1800" kern="1200">
+                <a:solidFill>
+                  <a:schemeClr val="tx1"/>
+                </a:solidFill>
+                <a:latin typeface="+mn-lt"/>
+                <a:ea typeface="+mn-ea"/>
+                <a:cs typeface="+mn-cs"/>
+              </a:defRPr>
+            </a:lvl8pPr>
+            <a:lvl9pPr marL="3657600" algn="l" defTabSz="914400" rtl="0" eaLnBrk="1" latinLnBrk="0" hangingPunct="1">
+              <a:defRPr sz="1800" kern="1200">
+                <a:solidFill>
+                  <a:schemeClr val="tx1"/>
+                </a:solidFill>
+                <a:latin typeface="+mn-lt"/>
+                <a:ea typeface="+mn-ea"/>
+                <a:cs typeface="+mn-cs"/>
+              </a:defRPr>
+            </a:lvl9pPr>
+          </a:lstStyle>
+          <a:p>
+            <a:r>
+              <a:rPr lang="en-IN" sz="1000" b="1" dirty="0">
+                <a:latin typeface="Inconsolata" pitchFamily="1" charset="0"/>
+                <a:ea typeface="Inconsolata" pitchFamily="1" charset="0"/>
+              </a:rPr>
+              <a:t>Visualizes the detection results, showcasing identified tools with bounding boxes and confidence scores.</a:t>
+            </a:r>
+          </a:p>
+        </p:txBody>
+      </p:sp>
+    </p:spTree>
+    <p:extLst>
+      <p:ext uri="{BB962C8B-B14F-4D97-AF65-F5344CB8AC3E}">
+        <p14:creationId xmlns:p14="http://schemas.microsoft.com/office/powerpoint/2010/main" val="3867868161"/>
+      </p:ext>
+    </p:extLst>
+  </p:cSld>
+  <p:clrMapOvr>
+    <a:masterClrMapping/>
+  </p:clrMapOvr>
+</p:sld>
+</file>
+
+<file path=ppt/slides/slide7.xml><?xml version="1.0" encoding="utf-8"?>
+<p:sld xmlns:a="http://schemas.openxmlformats.org/drawingml/2006/main" xmlns:r="http://schemas.openxmlformats.org/officeDocument/2006/relationships" xmlns:p="http://schemas.openxmlformats.org/presentationml/2006/main">
+  <p:cSld>
+    <p:spTree>
+      <p:nvGrpSpPr>
         <p:cNvPr id="1" name="Shape 119"/>
         <p:cNvGrpSpPr/>
         <p:nvPr/>
@@ -17623,7 +18867,7 @@
         <p:spPr>
           <a:xfrm>
             <a:off x="1979700" y="400825"/>
-            <a:ext cx="5040300" cy="384900"/>
+            <a:ext cx="5040300" cy="538609"/>
           </a:xfrm>
           <a:prstGeom prst="rect">
             <a:avLst/>
@@ -17657,7 +18901,7 @@
               <a:buNone/>
             </a:pPr>
             <a:r>
-              <a:rPr lang="en-GB" sz="2500" b="1" i="0" u="none" strike="noStrike" cap="none">
+              <a:rPr lang="en-GB" sz="2500" b="1" i="0" u="none" strike="noStrike" cap="none" dirty="0">
                 <a:solidFill>
                   <a:srgbClr val="000000"/>
                 </a:solidFill>
@@ -17668,69 +18912,7 @@
               </a:rPr>
               <a:t>Feasibility and Market Use</a:t>
             </a:r>
-            <a:endParaRPr sz="700" b="0" i="0" u="none" strike="noStrike" cap="none">
-              <a:solidFill>
-                <a:srgbClr val="000000"/>
-              </a:solidFill>
-              <a:latin typeface="Arial"/>
-              <a:ea typeface="Arial"/>
-              <a:cs typeface="Arial"/>
-              <a:sym typeface="Arial"/>
-            </a:endParaRPr>
-          </a:p>
-        </p:txBody>
-      </p:sp>
-      <p:sp>
-        <p:nvSpPr>
-          <p:cNvPr id="123" name="Google Shape;123;p6"/>
-          <p:cNvSpPr/>
-          <p:nvPr/>
-        </p:nvSpPr>
-        <p:spPr>
-          <a:xfrm>
-            <a:off x="3563875" y="4760425"/>
-            <a:ext cx="807000" cy="333600"/>
-          </a:xfrm>
-          <a:prstGeom prst="rect">
-            <a:avLst/>
-          </a:prstGeom>
-          <a:solidFill>
-            <a:schemeClr val="lt1"/>
-          </a:solidFill>
-          <a:ln w="9525" cap="flat" cmpd="sng">
-            <a:solidFill>
-              <a:schemeClr val="lt1"/>
-            </a:solidFill>
-            <a:prstDash val="solid"/>
-            <a:round/>
-            <a:headEnd type="none" w="sm" len="sm"/>
-            <a:tailEnd type="none" w="sm" len="sm"/>
-          </a:ln>
-        </p:spPr>
-        <p:txBody>
-          <a:bodyPr spcFirstLastPara="1" wrap="square" lIns="91425" tIns="91425" rIns="91425" bIns="91425" anchor="ctr" anchorCtr="0">
-            <a:noAutofit/>
-          </a:bodyPr>
-          <a:lstStyle/>
-          <a:p>
-            <a:pPr marL="0" marR="0" lvl="0" indent="0" algn="ctr" rtl="0">
-              <a:lnSpc>
-                <a:spcPct val="100000"/>
-              </a:lnSpc>
-              <a:spcBef>
-                <a:spcPts val="0"/>
-              </a:spcBef>
-              <a:spcAft>
-                <a:spcPts val="0"/>
-              </a:spcAft>
-              <a:buClr>
-                <a:srgbClr val="000000"/>
-              </a:buClr>
-              <a:buSzPts val="1400"/>
-              <a:buFont typeface="Arial"/>
-              <a:buNone/>
-            </a:pPr>
-            <a:endParaRPr sz="1400" b="0" i="0" u="none" strike="noStrike" cap="none">
+            <a:endParaRPr sz="700" b="0" i="0" u="none" strike="noStrike" cap="none" dirty="0">
               <a:solidFill>
                 <a:srgbClr val="000000"/>
               </a:solidFill>
@@ -19886,7 +21068,7 @@
 </p:sld>
 </file>
 
-<file path=ppt/slides/slide7.xml><?xml version="1.0" encoding="utf-8"?>
+<file path=ppt/slides/slide8.xml><?xml version="1.0" encoding="utf-8"?>
 <p:sld xmlns:a="http://schemas.openxmlformats.org/drawingml/2006/main" xmlns:r="http://schemas.openxmlformats.org/officeDocument/2006/relationships" xmlns:p="http://schemas.openxmlformats.org/presentationml/2006/main">
   <p:cSld>
     <p:spTree>

--- a/Final PPT.pptx
+++ b/Final PPT.pptx
@@ -278,7 +278,7 @@
       <p15:sldGuideLst xmlns:p15="http://schemas.microsoft.com/office/powerpoint/2012/main"/>
     </p:ext>
     <p:ext uri="GoogleSlidesCustomDataVersion2">
-      <go:slidesCustomData xmlns="" xmlns:mc="http://schemas.openxmlformats.org/markup-compatibility/2006" xmlns:mv="urn:schemas-microsoft-com:mac:vml" xmlns:c="http://schemas.openxmlformats.org/drawingml/2006/chart" xmlns:dgm="http://schemas.openxmlformats.org/drawingml/2006/diagram" xmlns:o="urn:schemas-microsoft-com:office:office" xmlns:v="urn:schemas-microsoft-com:vml" xmlns:pvml="urn:schemas-microsoft-com:office:powerpoint" xmlns:com="http://schemas.openxmlformats.org/drawingml/2006/compatibility" xmlns:p14="http://schemas.microsoft.com/office/powerpoint/2010/main" xmlns:p15="http://schemas.microsoft.com/office/powerpoint/2012/main" xmlns:ahyp="http://schemas.microsoft.com/office/drawing/2018/hyperlinkcolor" xmlns:go="http://customooxmlschemas.google.com/" r:id="rId22" roundtripDataSignature="AMtx7miRrbFGHO4lggu6m9ffZxEtEwdD8g=="/>
+      <go:slidesCustomData xmlns:go="http://customooxmlschemas.google.com/" xmlns:ahyp="http://schemas.microsoft.com/office/drawing/2018/hyperlinkcolor" xmlns:p15="http://schemas.microsoft.com/office/powerpoint/2012/main" xmlns:p14="http://schemas.microsoft.com/office/powerpoint/2010/main" xmlns:com="http://schemas.openxmlformats.org/drawingml/2006/compatibility" xmlns:pvml="urn:schemas-microsoft-com:office:powerpoint" xmlns:v="urn:schemas-microsoft-com:vml" xmlns:o="urn:schemas-microsoft-com:office:office" xmlns:dgm="http://schemas.openxmlformats.org/drawingml/2006/diagram" xmlns:c="http://schemas.openxmlformats.org/drawingml/2006/chart" xmlns:mv="urn:schemas-microsoft-com:mac:vml" xmlns:mc="http://schemas.openxmlformats.org/markup-compatibility/2006" xmlns="" r:id="rId22" roundtripDataSignature="AMtx7miRrbFGHO4lggu6m9ffZxEtEwdD8g=="/>
     </p:ext>
   </p:extLst>
 </p:presentation>
@@ -17864,129 +17864,6 @@
           </a:p>
         </p:txBody>
       </p:sp>
-      <p:pic>
-        <p:nvPicPr>
-          <p:cNvPr id="5" name="Picture 4" descr="A screenshot of a video game&#10;&#10;AI-generated content may be incorrect.">
-            <a:extLst>
-              <a:ext uri="{FF2B5EF4-FFF2-40B4-BE49-F238E27FC236}">
-                <a16:creationId xmlns:a16="http://schemas.microsoft.com/office/drawing/2014/main" id="{229D70F8-A8F1-3BEA-47E6-A24703A0CC6F}"/>
-              </a:ext>
-            </a:extLst>
-          </p:cNvPr>
-          <p:cNvPicPr>
-            <a:picLocks noChangeAspect="1"/>
-          </p:cNvPicPr>
-          <p:nvPr/>
-        </p:nvPicPr>
-        <p:blipFill>
-          <a:blip r:embed="rId4"/>
-          <a:stretch>
-            <a:fillRect/>
-          </a:stretch>
-        </p:blipFill>
-        <p:spPr>
-          <a:xfrm>
-            <a:off x="6058232" y="1035181"/>
-            <a:ext cx="2055251" cy="3354558"/>
-          </a:xfrm>
-          <a:prstGeom prst="roundRect">
-            <a:avLst>
-              <a:gd name="adj" fmla="val 8594"/>
-            </a:avLst>
-          </a:prstGeom>
-          <a:solidFill>
-            <a:srgbClr val="FFFFFF">
-              <a:shade val="85000"/>
-            </a:srgbClr>
-          </a:solidFill>
-          <a:ln>
-            <a:noFill/>
-          </a:ln>
-          <a:effectLst/>
-        </p:spPr>
-      </p:pic>
-      <p:pic>
-        <p:nvPicPr>
-          <p:cNvPr id="7" name="Picture 6" descr="A screen shot of a cellphone&#10;&#10;AI-generated content may be incorrect.">
-            <a:extLst>
-              <a:ext uri="{FF2B5EF4-FFF2-40B4-BE49-F238E27FC236}">
-                <a16:creationId xmlns:a16="http://schemas.microsoft.com/office/drawing/2014/main" id="{CFF58543-739D-6121-38A7-01F1133887E7}"/>
-              </a:ext>
-            </a:extLst>
-          </p:cNvPr>
-          <p:cNvPicPr>
-            <a:picLocks noChangeAspect="1"/>
-          </p:cNvPicPr>
-          <p:nvPr/>
-        </p:nvPicPr>
-        <p:blipFill>
-          <a:blip r:embed="rId5"/>
-          <a:stretch>
-            <a:fillRect/>
-          </a:stretch>
-        </p:blipFill>
-        <p:spPr>
-          <a:xfrm>
-            <a:off x="3615998" y="1053375"/>
-            <a:ext cx="2055251" cy="3343800"/>
-          </a:xfrm>
-          <a:prstGeom prst="roundRect">
-            <a:avLst>
-              <a:gd name="adj" fmla="val 8594"/>
-            </a:avLst>
-          </a:prstGeom>
-          <a:solidFill>
-            <a:srgbClr val="FFFFFF">
-              <a:shade val="85000"/>
-            </a:srgbClr>
-          </a:solidFill>
-          <a:ln>
-            <a:noFill/>
-          </a:ln>
-          <a:effectLst/>
-        </p:spPr>
-      </p:pic>
-      <p:pic>
-        <p:nvPicPr>
-          <p:cNvPr id="9" name="Picture 8" descr="A screenshot of a tool finder&#10;&#10;AI-generated content may be incorrect.">
-            <a:extLst>
-              <a:ext uri="{FF2B5EF4-FFF2-40B4-BE49-F238E27FC236}">
-                <a16:creationId xmlns:a16="http://schemas.microsoft.com/office/drawing/2014/main" id="{4CC8680A-51CF-9886-90DD-581B78EAB42B}"/>
-              </a:ext>
-            </a:extLst>
-          </p:cNvPr>
-          <p:cNvPicPr>
-            <a:picLocks noChangeAspect="1"/>
-          </p:cNvPicPr>
-          <p:nvPr/>
-        </p:nvPicPr>
-        <p:blipFill>
-          <a:blip r:embed="rId6"/>
-          <a:stretch>
-            <a:fillRect/>
-          </a:stretch>
-        </p:blipFill>
-        <p:spPr>
-          <a:xfrm>
-            <a:off x="1144857" y="1046324"/>
-            <a:ext cx="2052979" cy="3350851"/>
-          </a:xfrm>
-          <a:prstGeom prst="roundRect">
-            <a:avLst>
-              <a:gd name="adj" fmla="val 8594"/>
-            </a:avLst>
-          </a:prstGeom>
-          <a:solidFill>
-            <a:srgbClr val="FFFFFF">
-              <a:shade val="85000"/>
-            </a:srgbClr>
-          </a:solidFill>
-          <a:ln>
-            <a:noFill/>
-          </a:ln>
-          <a:effectLst/>
-        </p:spPr>
-      </p:pic>
       <p:sp>
         <p:nvSpPr>
           <p:cNvPr id="10" name="Text 2">
@@ -18001,7 +17878,7 @@
         </p:nvSpPr>
         <p:spPr>
           <a:xfrm>
-            <a:off x="1586114" y="749754"/>
+            <a:off x="1682756" y="541600"/>
             <a:ext cx="1117443" cy="309855"/>
           </a:xfrm>
           <a:prstGeom prst="rect">
@@ -18141,7 +18018,7 @@
         </p:nvSpPr>
         <p:spPr>
           <a:xfrm>
-            <a:off x="3881009" y="737491"/>
+            <a:off x="3856190" y="554628"/>
             <a:ext cx="1459587" cy="309855"/>
           </a:xfrm>
           <a:prstGeom prst="rect">
@@ -18278,7 +18155,7 @@
         </p:nvSpPr>
         <p:spPr>
           <a:xfrm>
-            <a:off x="6457462" y="737491"/>
+            <a:off x="6292230" y="549864"/>
             <a:ext cx="1322434" cy="309855"/>
           </a:xfrm>
           <a:prstGeom prst="rect">
@@ -18801,6 +18678,94 @@
           </a:p>
         </p:txBody>
       </p:sp>
+      <p:pic>
+        <p:nvPicPr>
+          <p:cNvPr id="8" name="Picture 7" descr="A screenshot of a phone&#10;&#10;AI-generated content may be incorrect.">
+            <a:extLst>
+              <a:ext uri="{FF2B5EF4-FFF2-40B4-BE49-F238E27FC236}">
+                <a16:creationId xmlns:a16="http://schemas.microsoft.com/office/drawing/2014/main" id="{B7EB3046-4C5E-2D25-6D49-B7F7D84E26E9}"/>
+              </a:ext>
+            </a:extLst>
+          </p:cNvPr>
+          <p:cNvPicPr>
+            <a:picLocks noChangeAspect="1"/>
+          </p:cNvPicPr>
+          <p:nvPr/>
+        </p:nvPicPr>
+        <p:blipFill>
+          <a:blip r:embed="rId4"/>
+          <a:stretch>
+            <a:fillRect/>
+          </a:stretch>
+        </p:blipFill>
+        <p:spPr>
+          <a:xfrm>
+            <a:off x="1425895" y="859719"/>
+            <a:ext cx="1620409" cy="3530020"/>
+          </a:xfrm>
+          <a:prstGeom prst="rect">
+            <a:avLst/>
+          </a:prstGeom>
+        </p:spPr>
+      </p:pic>
+      <p:pic>
+        <p:nvPicPr>
+          <p:cNvPr id="11" name="Picture 10">
+            <a:extLst>
+              <a:ext uri="{FF2B5EF4-FFF2-40B4-BE49-F238E27FC236}">
+                <a16:creationId xmlns:a16="http://schemas.microsoft.com/office/drawing/2014/main" id="{35FE1D43-DC78-03CE-E3A1-9659835D519D}"/>
+              </a:ext>
+            </a:extLst>
+          </p:cNvPr>
+          <p:cNvPicPr>
+            <a:picLocks noChangeAspect="1"/>
+          </p:cNvPicPr>
+          <p:nvPr/>
+        </p:nvPicPr>
+        <p:blipFill>
+          <a:blip r:embed="rId5"/>
+          <a:srcRect/>
+          <a:stretch/>
+        </p:blipFill>
+        <p:spPr>
+          <a:xfrm>
+            <a:off x="3765611" y="859719"/>
+            <a:ext cx="1612777" cy="3530020"/>
+          </a:xfrm>
+          <a:prstGeom prst="rect">
+            <a:avLst/>
+          </a:prstGeom>
+        </p:spPr>
+      </p:pic>
+      <p:pic>
+        <p:nvPicPr>
+          <p:cNvPr id="13" name="Picture 12">
+            <a:extLst>
+              <a:ext uri="{FF2B5EF4-FFF2-40B4-BE49-F238E27FC236}">
+                <a16:creationId xmlns:a16="http://schemas.microsoft.com/office/drawing/2014/main" id="{5E90ED5C-DC38-8028-0F92-82286A3FE18D}"/>
+              </a:ext>
+            </a:extLst>
+          </p:cNvPr>
+          <p:cNvPicPr>
+            <a:picLocks noChangeAspect="1"/>
+          </p:cNvPicPr>
+          <p:nvPr/>
+        </p:nvPicPr>
+        <p:blipFill>
+          <a:blip r:embed="rId6"/>
+          <a:srcRect/>
+          <a:stretch/>
+        </p:blipFill>
+        <p:spPr>
+          <a:xfrm>
+            <a:off x="6147059" y="916784"/>
+            <a:ext cx="1612777" cy="3530020"/>
+          </a:xfrm>
+          <a:prstGeom prst="rect">
+            <a:avLst/>
+          </a:prstGeom>
+        </p:spPr>
+      </p:pic>
     </p:spTree>
     <p:extLst>
       <p:ext uri="{BB962C8B-B14F-4D97-AF65-F5344CB8AC3E}">
